--- a/MIMIC Assignment details.pptx
+++ b/MIMIC Assignment details.pptx
@@ -5,7 +5,7 @@
     <p:sldMasterId id="2147483648" r:id="rId1"/>
   </p:sldMasterIdLst>
   <p:notesMasterIdLst>
-    <p:notesMasterId r:id="rId14"/>
+    <p:notesMasterId r:id="rId16"/>
   </p:notesMasterIdLst>
   <p:sldIdLst>
     <p:sldId id="256" r:id="rId2"/>
@@ -20,6 +20,8 @@
     <p:sldId id="264" r:id="rId11"/>
     <p:sldId id="266" r:id="rId12"/>
     <p:sldId id="267" r:id="rId13"/>
+    <p:sldId id="268" r:id="rId14"/>
+    <p:sldId id="269" r:id="rId15"/>
   </p:sldIdLst>
   <p:sldSz cx="12192000" cy="6858000"/>
   <p:notesSz cx="6858000" cy="9144000"/>
@@ -118,6 +120,11 @@
       </a:defRPr>
     </a:lvl9pPr>
   </p:defaultTextStyle>
+  <p:extLst>
+    <p:ext uri="{EFAFB233-063F-42B5-8137-9DF3F51BA10A}">
+      <p15:sldGuideLst xmlns:p15="http://schemas.microsoft.com/office/powerpoint/2012/main"/>
+    </p:ext>
+  </p:extLst>
 </p:presentation>
 </file>
 
@@ -4321,6 +4328,367 @@
     <p:extLst>
       <p:ext uri="{BB962C8B-B14F-4D97-AF65-F5344CB8AC3E}">
         <p14:creationId xmlns:p14="http://schemas.microsoft.com/office/powerpoint/2010/main" val="1731602517"/>
+      </p:ext>
+    </p:extLst>
+  </p:cSld>
+  <p:clrMapOvr>
+    <a:masterClrMapping/>
+  </p:clrMapOvr>
+</p:sld>
+</file>
+
+<file path=ppt/slides/slide13.xml><?xml version="1.0" encoding="utf-8"?>
+<p:sld xmlns:a="http://schemas.openxmlformats.org/drawingml/2006/main" xmlns:r="http://schemas.openxmlformats.org/officeDocument/2006/relationships" xmlns:p="http://schemas.openxmlformats.org/presentationml/2006/main">
+  <p:cSld>
+    <p:spTree>
+      <p:nvGrpSpPr>
+        <p:cNvPr id="1" name="">
+          <a:extLst>
+            <a:ext uri="{FF2B5EF4-FFF2-40B4-BE49-F238E27FC236}">
+              <a16:creationId xmlns:a16="http://schemas.microsoft.com/office/drawing/2014/main" id="{86243718-B456-416B-F1A6-C8A9725ED01C}"/>
+            </a:ext>
+          </a:extLst>
+        </p:cNvPr>
+        <p:cNvGrpSpPr/>
+        <p:nvPr/>
+      </p:nvGrpSpPr>
+      <p:grpSpPr>
+        <a:xfrm>
+          <a:off x="0" y="0"/>
+          <a:ext cx="0" cy="0"/>
+          <a:chOff x="0" y="0"/>
+          <a:chExt cx="0" cy="0"/>
+        </a:xfrm>
+      </p:grpSpPr>
+      <p:sp>
+        <p:nvSpPr>
+          <p:cNvPr id="2" name="Title 1">
+            <a:extLst>
+              <a:ext uri="{FF2B5EF4-FFF2-40B4-BE49-F238E27FC236}">
+                <a16:creationId xmlns:a16="http://schemas.microsoft.com/office/drawing/2014/main" id="{FB15C667-7521-E204-BE9D-088F20DF5385}"/>
+              </a:ext>
+            </a:extLst>
+          </p:cNvPr>
+          <p:cNvSpPr>
+            <a:spLocks noGrp="1"/>
+          </p:cNvSpPr>
+          <p:nvPr>
+            <p:ph type="title"/>
+          </p:nvPr>
+        </p:nvSpPr>
+        <p:spPr/>
+        <p:txBody>
+          <a:bodyPr/>
+          <a:lstStyle/>
+          <a:p>
+            <a:r>
+              <a:rPr lang="en-US" dirty="0"/>
+              <a:t>Visualization 6</a:t>
+            </a:r>
+          </a:p>
+        </p:txBody>
+      </p:sp>
+      <p:sp>
+        <p:nvSpPr>
+          <p:cNvPr id="3" name="Content Placeholder 2">
+            <a:extLst>
+              <a:ext uri="{FF2B5EF4-FFF2-40B4-BE49-F238E27FC236}">
+                <a16:creationId xmlns:a16="http://schemas.microsoft.com/office/drawing/2014/main" id="{6ACCC524-B8BE-12D6-467F-466515BA5964}"/>
+              </a:ext>
+            </a:extLst>
+          </p:cNvPr>
+          <p:cNvSpPr>
+            <a:spLocks noGrp="1"/>
+          </p:cNvSpPr>
+          <p:nvPr>
+            <p:ph idx="1"/>
+          </p:nvPr>
+        </p:nvSpPr>
+        <p:spPr/>
+        <p:txBody>
+          <a:bodyPr>
+            <a:normAutofit/>
+          </a:bodyPr>
+          <a:lstStyle/>
+          <a:p>
+            <a:r>
+              <a:rPr lang="en-US" dirty="0"/>
+              <a:t>Created </a:t>
+            </a:r>
+            <a:r>
+              <a:rPr lang="en-US" dirty="0" err="1"/>
+              <a:t>Timeplot</a:t>
+            </a:r>
+            <a:r>
+              <a:rPr lang="en-US" dirty="0"/>
+              <a:t> for callout data</a:t>
+            </a:r>
+          </a:p>
+          <a:p>
+            <a:r>
+              <a:rPr lang="en-US" dirty="0"/>
+              <a:t>Steps followed</a:t>
+            </a:r>
+          </a:p>
+          <a:p>
+            <a:pPr lvl="1"/>
+            <a:r>
+              <a:rPr lang="en-US" dirty="0"/>
+              <a:t>Loaded top 100 records</a:t>
+            </a:r>
+          </a:p>
+          <a:p>
+            <a:pPr lvl="1"/>
+            <a:r>
+              <a:rPr lang="en-US" dirty="0"/>
+              <a:t>Converted CREATTIME into date time</a:t>
+            </a:r>
+          </a:p>
+          <a:p>
+            <a:pPr lvl="1"/>
+            <a:r>
+              <a:rPr lang="en-US" dirty="0"/>
+              <a:t>Converted ACKNOWLEDGETIME into date time</a:t>
+            </a:r>
+          </a:p>
+          <a:p>
+            <a:pPr lvl="1"/>
+            <a:r>
+              <a:rPr lang="en-US" dirty="0"/>
+              <a:t>Created </a:t>
+            </a:r>
+            <a:r>
+              <a:rPr lang="en-US" dirty="0" err="1"/>
+              <a:t>Ack_Duration</a:t>
+            </a:r>
+            <a:r>
+              <a:rPr lang="en-US" dirty="0"/>
+              <a:t> column by </a:t>
+            </a:r>
+            <a:r>
+              <a:rPr lang="en-US" dirty="0" err="1"/>
+              <a:t>substracting</a:t>
+            </a:r>
+            <a:r>
+              <a:rPr lang="en-US" dirty="0"/>
+              <a:t> CREATTIME and ACKNOWLEDGETIME and dividing result by 3600 to convert to hours</a:t>
+            </a:r>
+          </a:p>
+          <a:p>
+            <a:pPr lvl="1"/>
+            <a:r>
+              <a:rPr lang="en-US" dirty="0"/>
+              <a:t>On x axis passed CREATTIME and on y axis passed </a:t>
+            </a:r>
+            <a:r>
+              <a:rPr lang="en-US" dirty="0" err="1"/>
+              <a:t>Ack_Duration</a:t>
+            </a:r>
+            <a:endParaRPr lang="en-US" dirty="0"/>
+          </a:p>
+        </p:txBody>
+      </p:sp>
+    </p:spTree>
+    <p:extLst>
+      <p:ext uri="{BB962C8B-B14F-4D97-AF65-F5344CB8AC3E}">
+        <p14:creationId xmlns:p14="http://schemas.microsoft.com/office/powerpoint/2010/main" val="1931594475"/>
+      </p:ext>
+    </p:extLst>
+  </p:cSld>
+  <p:clrMapOvr>
+    <a:masterClrMapping/>
+  </p:clrMapOvr>
+</p:sld>
+</file>
+
+<file path=ppt/slides/slide14.xml><?xml version="1.0" encoding="utf-8"?>
+<p:sld xmlns:a="http://schemas.openxmlformats.org/drawingml/2006/main" xmlns:r="http://schemas.openxmlformats.org/officeDocument/2006/relationships" xmlns:p="http://schemas.openxmlformats.org/presentationml/2006/main">
+  <p:cSld>
+    <p:bg>
+      <p:bgPr>
+        <a:solidFill>
+          <a:schemeClr val="bg1"/>
+        </a:solidFill>
+        <a:effectLst/>
+      </p:bgPr>
+    </p:bg>
+    <p:spTree>
+      <p:nvGrpSpPr>
+        <p:cNvPr id="1" name=""/>
+        <p:cNvGrpSpPr/>
+        <p:nvPr/>
+      </p:nvGrpSpPr>
+      <p:grpSpPr>
+        <a:xfrm>
+          <a:off x="0" y="0"/>
+          <a:ext cx="0" cy="0"/>
+          <a:chOff x="0" y="0"/>
+          <a:chExt cx="0" cy="0"/>
+        </a:xfrm>
+      </p:grpSpPr>
+      <p:sp>
+        <p:nvSpPr>
+          <p:cNvPr id="9" name="Rectangle 8">
+            <a:extLst>
+              <a:ext uri="{FF2B5EF4-FFF2-40B4-BE49-F238E27FC236}">
+                <a16:creationId xmlns:a16="http://schemas.microsoft.com/office/drawing/2014/main" id="{32BC26D8-82FB-445E-AA49-62A77D7C1EE0}"/>
+              </a:ext>
+              <a:ext uri="{C183D7F6-B498-43B3-948B-1728B52AA6E4}">
+                <adec:decorative xmlns:adec="http://schemas.microsoft.com/office/drawing/2017/decorative" val="1"/>
+              </a:ext>
+            </a:extLst>
+          </p:cNvPr>
+          <p:cNvSpPr>
+            <a:spLocks noGrp="1" noRot="1" noChangeAspect="1" noMove="1" noResize="1" noEditPoints="1" noAdjustHandles="1" noChangeArrowheads="1" noChangeShapeType="1" noTextEdit="1"/>
+          </p:cNvSpPr>
+          <p:nvPr>
+            <p:extLst>
+              <p:ext uri="{386F3935-93C4-4BCD-93E2-E3B085C9AB24}">
+                <p16:designElem xmlns:p16="http://schemas.microsoft.com/office/powerpoint/2015/main" val="1"/>
+              </p:ext>
+            </p:extLst>
+          </p:nvPr>
+        </p:nvSpPr>
+        <p:spPr>
+          <a:xfrm>
+            <a:off x="0" y="0"/>
+            <a:ext cx="12192000" cy="6858000"/>
+          </a:xfrm>
+          <a:prstGeom prst="rect">
+            <a:avLst/>
+          </a:prstGeom>
+          <a:solidFill>
+            <a:schemeClr val="tx1">
+              <a:lumMod val="65000"/>
+              <a:lumOff val="35000"/>
+            </a:schemeClr>
+          </a:solidFill>
+          <a:ln>
+            <a:noFill/>
+          </a:ln>
+        </p:spPr>
+        <p:style>
+          <a:lnRef idx="2">
+            <a:schemeClr val="accent1">
+              <a:shade val="50000"/>
+            </a:schemeClr>
+          </a:lnRef>
+          <a:fillRef idx="1">
+            <a:schemeClr val="accent1"/>
+          </a:fillRef>
+          <a:effectRef idx="0">
+            <a:schemeClr val="accent1"/>
+          </a:effectRef>
+          <a:fontRef idx="minor">
+            <a:schemeClr val="lt1"/>
+          </a:fontRef>
+        </p:style>
+        <p:txBody>
+          <a:bodyPr rtlCol="0" anchor="ctr"/>
+          <a:lstStyle/>
+          <a:p>
+            <a:pPr algn="ctr"/>
+            <a:endParaRPr lang="en-US"/>
+          </a:p>
+        </p:txBody>
+      </p:sp>
+      <p:sp>
+        <p:nvSpPr>
+          <p:cNvPr id="11" name="Rectangle 10">
+            <a:extLst>
+              <a:ext uri="{FF2B5EF4-FFF2-40B4-BE49-F238E27FC236}">
+                <a16:creationId xmlns:a16="http://schemas.microsoft.com/office/drawing/2014/main" id="{CB44330D-EA18-4254-AA95-EB49948539B8}"/>
+              </a:ext>
+              <a:ext uri="{C183D7F6-B498-43B3-948B-1728B52AA6E4}">
+                <adec:decorative xmlns:adec="http://schemas.microsoft.com/office/drawing/2017/decorative" val="1"/>
+              </a:ext>
+            </a:extLst>
+          </p:cNvPr>
+          <p:cNvSpPr>
+            <a:spLocks noGrp="1" noRot="1" noChangeAspect="1" noMove="1" noResize="1" noEditPoints="1" noAdjustHandles="1" noChangeArrowheads="1" noChangeShapeType="1" noTextEdit="1"/>
+          </p:cNvSpPr>
+          <p:nvPr>
+            <p:extLst>
+              <p:ext uri="{386F3935-93C4-4BCD-93E2-E3B085C9AB24}">
+                <p16:designElem xmlns:p16="http://schemas.microsoft.com/office/powerpoint/2015/main" val="1"/>
+              </p:ext>
+            </p:extLst>
+          </p:nvPr>
+        </p:nvSpPr>
+        <p:spPr>
+          <a:xfrm>
+            <a:off x="477012" y="480060"/>
+            <a:ext cx="11237976" cy="5897880"/>
+          </a:xfrm>
+          <a:prstGeom prst="rect">
+            <a:avLst/>
+          </a:prstGeom>
+          <a:solidFill>
+            <a:srgbClr val="FFFFFF"/>
+          </a:solidFill>
+          <a:ln>
+            <a:noFill/>
+          </a:ln>
+        </p:spPr>
+        <p:style>
+          <a:lnRef idx="2">
+            <a:schemeClr val="accent1">
+              <a:shade val="50000"/>
+            </a:schemeClr>
+          </a:lnRef>
+          <a:fillRef idx="1">
+            <a:schemeClr val="accent1"/>
+          </a:fillRef>
+          <a:effectRef idx="0">
+            <a:schemeClr val="accent1"/>
+          </a:effectRef>
+          <a:fontRef idx="minor">
+            <a:schemeClr val="lt1"/>
+          </a:fontRef>
+        </p:style>
+        <p:txBody>
+          <a:bodyPr rtlCol="0" anchor="ctr"/>
+          <a:lstStyle/>
+          <a:p>
+            <a:pPr algn="ctr"/>
+            <a:endParaRPr lang="en-US"/>
+          </a:p>
+        </p:txBody>
+      </p:sp>
+      <p:pic>
+        <p:nvPicPr>
+          <p:cNvPr id="4" name="Picture 3">
+            <a:extLst>
+              <a:ext uri="{FF2B5EF4-FFF2-40B4-BE49-F238E27FC236}">
+                <a16:creationId xmlns:a16="http://schemas.microsoft.com/office/drawing/2014/main" id="{E1F9DAEE-9F04-9E93-4B56-77FF6D3F0824}"/>
+              </a:ext>
+            </a:extLst>
+          </p:cNvPr>
+          <p:cNvPicPr>
+            <a:picLocks noChangeAspect="1"/>
+          </p:cNvPicPr>
+          <p:nvPr/>
+        </p:nvPicPr>
+        <p:blipFill>
+          <a:blip r:embed="rId2"/>
+          <a:stretch>
+            <a:fillRect/>
+          </a:stretch>
+        </p:blipFill>
+        <p:spPr>
+          <a:xfrm>
+            <a:off x="2172714" y="643467"/>
+            <a:ext cx="7846572" cy="5571066"/>
+          </a:xfrm>
+          <a:prstGeom prst="rect">
+            <a:avLst/>
+          </a:prstGeom>
+        </p:spPr>
+      </p:pic>
+    </p:spTree>
+    <p:extLst>
+      <p:ext uri="{BB962C8B-B14F-4D97-AF65-F5344CB8AC3E}">
+        <p14:creationId xmlns:p14="http://schemas.microsoft.com/office/powerpoint/2010/main" val="2357988975"/>
       </p:ext>
     </p:extLst>
   </p:cSld>
